--- a/Documentação/Metodologia e especificação.pptx
+++ b/Documentação/Metodologia e especificação.pptx
@@ -5,60 +5,61 @@
     <p:sldMasterId id="2147483665" r:id="rId1"/>
   </p:sldMasterIdLst>
   <p:notesMasterIdLst>
-    <p:notesMasterId r:id="rId9"/>
+    <p:notesMasterId r:id="rId10"/>
   </p:notesMasterIdLst>
   <p:sldIdLst>
     <p:sldId id="256" r:id="rId2"/>
     <p:sldId id="258" r:id="rId3"/>
     <p:sldId id="298" r:id="rId4"/>
-    <p:sldId id="273" r:id="rId5"/>
-    <p:sldId id="303" r:id="rId6"/>
-    <p:sldId id="304" r:id="rId7"/>
-    <p:sldId id="305" r:id="rId8"/>
+    <p:sldId id="305" r:id="rId5"/>
+    <p:sldId id="306" r:id="rId6"/>
+    <p:sldId id="273" r:id="rId7"/>
+    <p:sldId id="303" r:id="rId8"/>
+    <p:sldId id="304" r:id="rId9"/>
   </p:sldIdLst>
   <p:sldSz cx="9144000" cy="5143500" type="screen16x9"/>
   <p:notesSz cx="6858000" cy="9144000"/>
   <p:embeddedFontLst>
     <p:embeddedFont>
       <p:font typeface="Calibri" panose="020F0502020204030204" pitchFamily="34" charset="0"/>
-      <p:regular r:id="rId10"/>
-      <p:bold r:id="rId11"/>
-      <p:italic r:id="rId12"/>
-      <p:boldItalic r:id="rId13"/>
+      <p:regular r:id="rId11"/>
+      <p:bold r:id="rId12"/>
+      <p:italic r:id="rId13"/>
+      <p:boldItalic r:id="rId14"/>
+    </p:embeddedFont>
+    <p:embeddedFont>
+      <p:font typeface="Roboto Black" panose="020B0604020202020204" charset="0"/>
+      <p:bold r:id="rId15"/>
+      <p:boldItalic r:id="rId16"/>
+    </p:embeddedFont>
+    <p:embeddedFont>
+      <p:font typeface="Roboto Mono Regular" panose="020B0604020202020204" charset="0"/>
+      <p:regular r:id="rId17"/>
+      <p:bold r:id="rId18"/>
+      <p:italic r:id="rId19"/>
+      <p:boldItalic r:id="rId20"/>
     </p:embeddedFont>
     <p:embeddedFont>
       <p:font typeface="Comic Sans MS" panose="030F0702030302020204" pitchFamily="66" charset="0"/>
-      <p:regular r:id="rId14"/>
-      <p:bold r:id="rId15"/>
-      <p:italic r:id="rId16"/>
-      <p:boldItalic r:id="rId17"/>
+      <p:regular r:id="rId21"/>
+      <p:bold r:id="rId22"/>
+      <p:italic r:id="rId23"/>
+      <p:boldItalic r:id="rId24"/>
+    </p:embeddedFont>
+    <p:embeddedFont>
+      <p:font typeface="Berlin Sans FB Demi" panose="020E0802020502020306" pitchFamily="34" charset="0"/>
+      <p:bold r:id="rId25"/>
+    </p:embeddedFont>
+    <p:embeddedFont>
+      <p:font typeface="Roboto Light" panose="020B0604020202020204" charset="0"/>
+      <p:regular r:id="rId26"/>
+      <p:bold r:id="rId27"/>
+      <p:italic r:id="rId28"/>
+      <p:boldItalic r:id="rId29"/>
     </p:embeddedFont>
     <p:embeddedFont>
       <p:font typeface="Bree Serif" panose="020B0604020202020204" charset="0"/>
-      <p:regular r:id="rId18"/>
-    </p:embeddedFont>
-    <p:embeddedFont>
-      <p:font typeface="Berlin Sans FB Demi" panose="020E0802020502020306" pitchFamily="34" charset="0"/>
-      <p:bold r:id="rId19"/>
-    </p:embeddedFont>
-    <p:embeddedFont>
-      <p:font typeface="Roboto Mono Regular" panose="020B0604020202020204" charset="0"/>
-      <p:regular r:id="rId20"/>
-      <p:bold r:id="rId21"/>
-      <p:italic r:id="rId22"/>
-      <p:boldItalic r:id="rId23"/>
-    </p:embeddedFont>
-    <p:embeddedFont>
-      <p:font typeface="Roboto Light" panose="020B0604020202020204" charset="0"/>
-      <p:regular r:id="rId24"/>
-      <p:bold r:id="rId25"/>
-      <p:italic r:id="rId26"/>
-      <p:boldItalic r:id="rId27"/>
-    </p:embeddedFont>
-    <p:embeddedFont>
-      <p:font typeface="Roboto Black" panose="020B0604020202020204" charset="0"/>
-      <p:bold r:id="rId28"/>
-      <p:boldItalic r:id="rId29"/>
+      <p:regular r:id="rId30"/>
     </p:embeddedFont>
   </p:embeddedFontLst>
   <p:defaultTextStyle>
@@ -15338,961 +15339,6 @@
   <p:cSld>
     <p:spTree>
       <p:nvGrpSpPr>
-        <p:cNvPr id="1" name="Shape 1103"/>
-        <p:cNvGrpSpPr/>
-        <p:nvPr/>
-      </p:nvGrpSpPr>
-      <p:grpSpPr>
-        <a:xfrm>
-          <a:off x="0" y="0"/>
-          <a:ext cx="0" cy="0"/>
-          <a:chOff x="0" y="0"/>
-          <a:chExt cx="0" cy="0"/>
-        </a:xfrm>
-      </p:grpSpPr>
-      <p:sp>
-        <p:nvSpPr>
-          <p:cNvPr id="1104" name="Google Shape;1104;p37"/>
-          <p:cNvSpPr txBox="1">
-            <a:spLocks noGrp="1"/>
-          </p:cNvSpPr>
-          <p:nvPr>
-            <p:ph type="ctrTitle"/>
-          </p:nvPr>
-        </p:nvSpPr>
-        <p:spPr>
-          <a:xfrm>
-            <a:off x="311700" y="644550"/>
-            <a:ext cx="8520600" cy="606600"/>
-          </a:xfrm>
-          <a:prstGeom prst="rect">
-            <a:avLst/>
-          </a:prstGeom>
-        </p:spPr>
-        <p:txBody>
-          <a:bodyPr spcFirstLastPara="1" wrap="square" lIns="91425" tIns="91425" rIns="91425" bIns="91425" anchor="b" anchorCtr="0">
-            <a:noAutofit/>
-          </a:bodyPr>
-          <a:lstStyle/>
-          <a:p>
-            <a:pPr lvl="0"/>
-            <a:r>
-              <a:rPr lang="pt-BR" b="1" dirty="0" smtClean="0"/>
-              <a:t>Ferramentas de gestão de projetos</a:t>
-            </a:r>
-            <a:endParaRPr lang="pt-BR" dirty="0"/>
-          </a:p>
-        </p:txBody>
-      </p:sp>
-      <p:sp>
-        <p:nvSpPr>
-          <p:cNvPr id="1113" name="Google Shape;1113;p37"/>
-          <p:cNvSpPr txBox="1">
-            <a:spLocks noGrp="1"/>
-          </p:cNvSpPr>
-          <p:nvPr>
-            <p:ph type="subTitle" idx="4294967295"/>
-          </p:nvPr>
-        </p:nvSpPr>
-        <p:spPr>
-          <a:xfrm>
-            <a:off x="580292" y="3075736"/>
-            <a:ext cx="3642214" cy="1082914"/>
-          </a:xfrm>
-          <a:prstGeom prst="rect">
-            <a:avLst/>
-          </a:prstGeom>
-        </p:spPr>
-        <p:txBody>
-          <a:bodyPr spcFirstLastPara="1" wrap="square" lIns="91425" tIns="91425" rIns="91425" bIns="91425" anchor="t" anchorCtr="0">
-            <a:noAutofit/>
-          </a:bodyPr>
-          <a:lstStyle/>
-          <a:p>
-            <a:pPr marL="0" indent="0" algn="just">
-              <a:buNone/>
-            </a:pPr>
-            <a:r>
-              <a:rPr lang="pt-BR" sz="1200" dirty="0" smtClean="0"/>
-              <a:t>Através do </a:t>
-            </a:r>
-            <a:r>
-              <a:rPr lang="pt-BR" sz="1200" dirty="0"/>
-              <a:t>GitHub </a:t>
-            </a:r>
-            <a:r>
-              <a:rPr lang="pt-BR" sz="1200" dirty="0" smtClean="0"/>
-              <a:t>nosso grupo conseguiu gerenciar nosso projeto e as </a:t>
-            </a:r>
-            <a:r>
-              <a:rPr lang="pt-BR" sz="1200" dirty="0"/>
-              <a:t>versões de </a:t>
-            </a:r>
-            <a:r>
-              <a:rPr lang="pt-BR" sz="1200" dirty="0" smtClean="0"/>
-              <a:t>códigos criadas.</a:t>
-            </a:r>
-            <a:endParaRPr lang="pt-BR" sz="1200" dirty="0"/>
-          </a:p>
-        </p:txBody>
-      </p:sp>
-      <p:cxnSp>
-        <p:nvCxnSpPr>
-          <p:cNvPr id="1117" name="Google Shape;1117;p37"/>
-          <p:cNvCxnSpPr/>
-          <p:nvPr/>
-        </p:nvCxnSpPr>
-        <p:spPr>
-          <a:xfrm>
-            <a:off x="311700" y="1191700"/>
-            <a:ext cx="8520600" cy="0"/>
-          </a:xfrm>
-          <a:prstGeom prst="straightConnector1">
-            <a:avLst/>
-          </a:prstGeom>
-          <a:noFill/>
-          <a:ln w="9525" cap="flat" cmpd="sng">
-            <a:solidFill>
-              <a:schemeClr val="bg1"/>
-            </a:solidFill>
-            <a:prstDash val="solid"/>
-            <a:round/>
-            <a:headEnd type="none" w="med" len="med"/>
-            <a:tailEnd type="none" w="med" len="med"/>
-          </a:ln>
-        </p:spPr>
-      </p:cxnSp>
-      <p:pic>
-        <p:nvPicPr>
-          <p:cNvPr id="2" name="Imagem 1"/>
-          <p:cNvPicPr>
-            <a:picLocks noChangeAspect="1"/>
-          </p:cNvPicPr>
-          <p:nvPr/>
-        </p:nvPicPr>
-        <p:blipFill>
-          <a:blip r:embed="rId3">
-            <a:lum bright="70000" contrast="-70000"/>
-            <a:extLst>
-              <a:ext uri="{28A0092B-C50C-407E-A947-70E740481C1C}">
-                <a14:useLocalDpi xmlns:a14="http://schemas.microsoft.com/office/drawing/2010/main" val="0"/>
-              </a:ext>
-            </a:extLst>
-          </a:blip>
-          <a:stretch>
-            <a:fillRect/>
-          </a:stretch>
-        </p:blipFill>
-        <p:spPr>
-          <a:xfrm>
-            <a:off x="405545" y="2276491"/>
-            <a:ext cx="1995854" cy="739796"/>
-          </a:xfrm>
-          <a:prstGeom prst="rect">
-            <a:avLst/>
-          </a:prstGeom>
-        </p:spPr>
-      </p:pic>
-      <p:pic>
-        <p:nvPicPr>
-          <p:cNvPr id="4" name="Imagem 3"/>
-          <p:cNvPicPr>
-            <a:picLocks noChangeAspect="1"/>
-          </p:cNvPicPr>
-          <p:nvPr/>
-        </p:nvPicPr>
-        <p:blipFill>
-          <a:blip r:embed="rId4"/>
-          <a:stretch>
-            <a:fillRect/>
-          </a:stretch>
-        </p:blipFill>
-        <p:spPr>
-          <a:xfrm>
-            <a:off x="4572000" y="1476375"/>
-            <a:ext cx="3989614" cy="3490912"/>
-          </a:xfrm>
-          <a:prstGeom prst="rect">
-            <a:avLst/>
-          </a:prstGeom>
-        </p:spPr>
-      </p:pic>
-    </p:spTree>
-  </p:cSld>
-  <p:clrMapOvr>
-    <a:masterClrMapping/>
-  </p:clrMapOvr>
-  <p:timing>
-    <p:tnLst>
-      <p:par>
-        <p:cTn id="1" dur="indefinite" restart="never" nodeType="tmRoot"/>
-      </p:par>
-    </p:tnLst>
-  </p:timing>
-</p:sld>
-</file>
-
-<file path=ppt/slides/slide5.xml><?xml version="1.0" encoding="utf-8"?>
-<p:sld xmlns:a="http://schemas.openxmlformats.org/drawingml/2006/main" xmlns:r="http://schemas.openxmlformats.org/officeDocument/2006/relationships" xmlns:p="http://schemas.openxmlformats.org/presentationml/2006/main">
-  <p:cSld>
-    <p:spTree>
-      <p:nvGrpSpPr>
-        <p:cNvPr id="1" name="Shape 1103"/>
-        <p:cNvGrpSpPr/>
-        <p:nvPr/>
-      </p:nvGrpSpPr>
-      <p:grpSpPr>
-        <a:xfrm>
-          <a:off x="0" y="0"/>
-          <a:ext cx="0" cy="0"/>
-          <a:chOff x="0" y="0"/>
-          <a:chExt cx="0" cy="0"/>
-        </a:xfrm>
-      </p:grpSpPr>
-      <p:sp>
-        <p:nvSpPr>
-          <p:cNvPr id="1104" name="Google Shape;1104;p37"/>
-          <p:cNvSpPr txBox="1">
-            <a:spLocks noGrp="1"/>
-          </p:cNvSpPr>
-          <p:nvPr>
-            <p:ph type="ctrTitle"/>
-          </p:nvPr>
-        </p:nvSpPr>
-        <p:spPr>
-          <a:xfrm>
-            <a:off x="311700" y="644550"/>
-            <a:ext cx="8520600" cy="606600"/>
-          </a:xfrm>
-          <a:prstGeom prst="rect">
-            <a:avLst/>
-          </a:prstGeom>
-        </p:spPr>
-        <p:txBody>
-          <a:bodyPr spcFirstLastPara="1" wrap="square" lIns="91425" tIns="91425" rIns="91425" bIns="91425" anchor="b" anchorCtr="0">
-            <a:noAutofit/>
-          </a:bodyPr>
-          <a:lstStyle/>
-          <a:p>
-            <a:pPr lvl="0"/>
-            <a:r>
-              <a:rPr lang="pt-BR" b="1" dirty="0" smtClean="0"/>
-              <a:t>Ferramentas de gestão de projetos</a:t>
-            </a:r>
-            <a:endParaRPr lang="pt-BR" dirty="0"/>
-          </a:p>
-        </p:txBody>
-      </p:sp>
-      <p:sp>
-        <p:nvSpPr>
-          <p:cNvPr id="1113" name="Google Shape;1113;p37"/>
-          <p:cNvSpPr txBox="1">
-            <a:spLocks noGrp="1"/>
-          </p:cNvSpPr>
-          <p:nvPr>
-            <p:ph type="subTitle" idx="4294967295"/>
-          </p:nvPr>
-        </p:nvSpPr>
-        <p:spPr>
-          <a:xfrm>
-            <a:off x="444011" y="2578810"/>
-            <a:ext cx="3642214" cy="1082914"/>
-          </a:xfrm>
-          <a:prstGeom prst="rect">
-            <a:avLst/>
-          </a:prstGeom>
-        </p:spPr>
-        <p:txBody>
-          <a:bodyPr spcFirstLastPara="1" wrap="square" lIns="91425" tIns="91425" rIns="91425" bIns="91425" anchor="t" anchorCtr="0">
-            <a:noAutofit/>
-          </a:bodyPr>
-          <a:lstStyle/>
-          <a:p>
-            <a:pPr marL="0" indent="0" algn="just">
-              <a:buNone/>
-            </a:pPr>
-            <a:r>
-              <a:rPr lang="pt-BR" sz="1200" dirty="0"/>
-              <a:t>Com o Microsoft </a:t>
-            </a:r>
-            <a:r>
-              <a:rPr lang="pt-BR" sz="1200" dirty="0" err="1"/>
-              <a:t>Planner</a:t>
-            </a:r>
-            <a:r>
-              <a:rPr lang="pt-BR" sz="1200" dirty="0"/>
-              <a:t> separamos </a:t>
-            </a:r>
-            <a:r>
-              <a:rPr lang="pt-BR" sz="1200" dirty="0" smtClean="0"/>
-              <a:t>e gerenciamos as atividades através dos gráficos e status.</a:t>
-            </a:r>
-          </a:p>
-          <a:p>
-            <a:pPr marL="0" indent="0" algn="just">
-              <a:buNone/>
-            </a:pPr>
-            <a:r>
-              <a:rPr lang="pt-BR" sz="1200" dirty="0" smtClean="0"/>
-              <a:t>Essa ferramenta facilitou a divisão e controle das atividades do projeto.</a:t>
-            </a:r>
-            <a:endParaRPr lang="pt-BR" sz="1200" dirty="0"/>
-          </a:p>
-        </p:txBody>
-      </p:sp>
-      <p:cxnSp>
-        <p:nvCxnSpPr>
-          <p:cNvPr id="1117" name="Google Shape;1117;p37"/>
-          <p:cNvCxnSpPr/>
-          <p:nvPr/>
-        </p:nvCxnSpPr>
-        <p:spPr>
-          <a:xfrm>
-            <a:off x="311700" y="1191700"/>
-            <a:ext cx="8520600" cy="0"/>
-          </a:xfrm>
-          <a:prstGeom prst="straightConnector1">
-            <a:avLst/>
-          </a:prstGeom>
-          <a:noFill/>
-          <a:ln w="9525" cap="flat" cmpd="sng">
-            <a:solidFill>
-              <a:schemeClr val="bg1"/>
-            </a:solidFill>
-            <a:prstDash val="solid"/>
-            <a:round/>
-            <a:headEnd type="none" w="med" len="med"/>
-            <a:tailEnd type="none" w="med" len="med"/>
-          </a:ln>
-        </p:spPr>
-      </p:cxnSp>
-      <p:pic>
-        <p:nvPicPr>
-          <p:cNvPr id="7" name="Imagem 6"/>
-          <p:cNvPicPr>
-            <a:picLocks noChangeAspect="1"/>
-          </p:cNvPicPr>
-          <p:nvPr/>
-        </p:nvPicPr>
-        <p:blipFill>
-          <a:blip r:embed="rId3">
-            <a:extLst>
-              <a:ext uri="{28A0092B-C50C-407E-A947-70E740481C1C}">
-                <a14:useLocalDpi xmlns:a14="http://schemas.microsoft.com/office/drawing/2010/main" val="0"/>
-              </a:ext>
-            </a:extLst>
-          </a:blip>
-          <a:stretch>
-            <a:fillRect/>
-          </a:stretch>
-        </p:blipFill>
-        <p:spPr>
-          <a:xfrm>
-            <a:off x="444011" y="2212739"/>
-            <a:ext cx="2764806" cy="366071"/>
-          </a:xfrm>
-          <a:prstGeom prst="rect">
-            <a:avLst/>
-          </a:prstGeom>
-        </p:spPr>
-      </p:pic>
-      <p:pic>
-        <p:nvPicPr>
-          <p:cNvPr id="3" name="Imagem 2"/>
-          <p:cNvPicPr>
-            <a:picLocks noChangeAspect="1"/>
-          </p:cNvPicPr>
-          <p:nvPr/>
-        </p:nvPicPr>
-        <p:blipFill>
-          <a:blip r:embed="rId4"/>
-          <a:stretch>
-            <a:fillRect/>
-          </a:stretch>
-        </p:blipFill>
-        <p:spPr>
-          <a:xfrm>
-            <a:off x="4086225" y="1599361"/>
-            <a:ext cx="4534580" cy="2952750"/>
-          </a:xfrm>
-          <a:prstGeom prst="rect">
-            <a:avLst/>
-          </a:prstGeom>
-        </p:spPr>
-      </p:pic>
-    </p:spTree>
-    <p:extLst>
-      <p:ext uri="{BB962C8B-B14F-4D97-AF65-F5344CB8AC3E}">
-        <p14:creationId xmlns:p14="http://schemas.microsoft.com/office/powerpoint/2010/main" val="866037186"/>
-      </p:ext>
-    </p:extLst>
-  </p:cSld>
-  <p:clrMapOvr>
-    <a:masterClrMapping/>
-  </p:clrMapOvr>
-  <p:timing>
-    <p:tnLst>
-      <p:par>
-        <p:cTn id="1" dur="indefinite" restart="never" nodeType="tmRoot"/>
-      </p:par>
-    </p:tnLst>
-  </p:timing>
-</p:sld>
-</file>
-
-<file path=ppt/slides/slide6.xml><?xml version="1.0" encoding="utf-8"?>
-<p:sld xmlns:a="http://schemas.openxmlformats.org/drawingml/2006/main" xmlns:r="http://schemas.openxmlformats.org/officeDocument/2006/relationships" xmlns:p="http://schemas.openxmlformats.org/presentationml/2006/main">
-  <p:cSld>
-    <p:spTree>
-      <p:nvGrpSpPr>
-        <p:cNvPr id="1" name="Shape 1103"/>
-        <p:cNvGrpSpPr/>
-        <p:nvPr/>
-      </p:nvGrpSpPr>
-      <p:grpSpPr>
-        <a:xfrm>
-          <a:off x="0" y="0"/>
-          <a:ext cx="0" cy="0"/>
-          <a:chOff x="0" y="0"/>
-          <a:chExt cx="0" cy="0"/>
-        </a:xfrm>
-      </p:grpSpPr>
-      <p:sp>
-        <p:nvSpPr>
-          <p:cNvPr id="1104" name="Google Shape;1104;p37"/>
-          <p:cNvSpPr txBox="1">
-            <a:spLocks noGrp="1"/>
-          </p:cNvSpPr>
-          <p:nvPr>
-            <p:ph type="ctrTitle"/>
-          </p:nvPr>
-        </p:nvSpPr>
-        <p:spPr>
-          <a:xfrm>
-            <a:off x="0" y="644550"/>
-            <a:ext cx="9144000" cy="606600"/>
-          </a:xfrm>
-          <a:prstGeom prst="rect">
-            <a:avLst/>
-          </a:prstGeom>
-        </p:spPr>
-        <p:txBody>
-          <a:bodyPr spcFirstLastPara="1" wrap="square" lIns="91425" tIns="91425" rIns="91425" bIns="91425" anchor="b" anchorCtr="0">
-            <a:noAutofit/>
-          </a:bodyPr>
-          <a:lstStyle/>
-          <a:p>
-            <a:pPr lvl="0"/>
-            <a:r>
-              <a:rPr lang="pt-BR" b="1" dirty="0" smtClean="0"/>
-              <a:t>Ferramentas para comunicação </a:t>
-            </a:r>
-            <a:endParaRPr lang="pt-BR" dirty="0"/>
-          </a:p>
-        </p:txBody>
-      </p:sp>
-      <p:cxnSp>
-        <p:nvCxnSpPr>
-          <p:cNvPr id="1117" name="Google Shape;1117;p37"/>
-          <p:cNvCxnSpPr/>
-          <p:nvPr/>
-        </p:nvCxnSpPr>
-        <p:spPr>
-          <a:xfrm>
-            <a:off x="311700" y="1191700"/>
-            <a:ext cx="8520600" cy="0"/>
-          </a:xfrm>
-          <a:prstGeom prst="straightConnector1">
-            <a:avLst/>
-          </a:prstGeom>
-          <a:noFill/>
-          <a:ln w="9525" cap="flat" cmpd="sng">
-            <a:solidFill>
-              <a:schemeClr val="bg1"/>
-            </a:solidFill>
-            <a:prstDash val="solid"/>
-            <a:round/>
-            <a:headEnd type="none" w="med" len="med"/>
-            <a:tailEnd type="none" w="med" len="med"/>
-          </a:ln>
-        </p:spPr>
-      </p:cxnSp>
-      <p:pic>
-        <p:nvPicPr>
-          <p:cNvPr id="8" name="Imagem 7"/>
-          <p:cNvPicPr>
-            <a:picLocks noChangeAspect="1"/>
-          </p:cNvPicPr>
-          <p:nvPr/>
-        </p:nvPicPr>
-        <p:blipFill>
-          <a:blip r:embed="rId3">
-            <a:extLst>
-              <a:ext uri="{28A0092B-C50C-407E-A947-70E740481C1C}">
-                <a14:useLocalDpi xmlns:a14="http://schemas.microsoft.com/office/drawing/2010/main" val="0"/>
-              </a:ext>
-            </a:extLst>
-          </a:blip>
-          <a:stretch>
-            <a:fillRect/>
-          </a:stretch>
-        </p:blipFill>
-        <p:spPr>
-          <a:xfrm>
-            <a:off x="6021333" y="2463696"/>
-            <a:ext cx="1358138" cy="504451"/>
-          </a:xfrm>
-          <a:prstGeom prst="rect">
-            <a:avLst/>
-          </a:prstGeom>
-        </p:spPr>
-      </p:pic>
-      <p:pic>
-        <p:nvPicPr>
-          <p:cNvPr id="9" name="Imagem 8"/>
-          <p:cNvPicPr>
-            <a:picLocks noChangeAspect="1"/>
-          </p:cNvPicPr>
-          <p:nvPr/>
-        </p:nvPicPr>
-        <p:blipFill>
-          <a:blip r:embed="rId4">
-            <a:extLst>
-              <a:ext uri="{28A0092B-C50C-407E-A947-70E740481C1C}">
-                <a14:useLocalDpi xmlns:a14="http://schemas.microsoft.com/office/drawing/2010/main" val="0"/>
-              </a:ext>
-            </a:extLst>
-          </a:blip>
-          <a:stretch>
-            <a:fillRect/>
-          </a:stretch>
-        </p:blipFill>
-        <p:spPr>
-          <a:xfrm>
-            <a:off x="5956318" y="1703356"/>
-            <a:ext cx="1663663" cy="457507"/>
-          </a:xfrm>
-          <a:prstGeom prst="rect">
-            <a:avLst/>
-          </a:prstGeom>
-        </p:spPr>
-      </p:pic>
-      <p:pic>
-        <p:nvPicPr>
-          <p:cNvPr id="10" name="Imagem 9"/>
-          <p:cNvPicPr>
-            <a:picLocks noChangeAspect="1"/>
-          </p:cNvPicPr>
-          <p:nvPr/>
-        </p:nvPicPr>
-        <p:blipFill>
-          <a:blip r:embed="rId5">
-            <a:extLst>
-              <a:ext uri="{28A0092B-C50C-407E-A947-70E740481C1C}">
-                <a14:useLocalDpi xmlns:a14="http://schemas.microsoft.com/office/drawing/2010/main" val="0"/>
-              </a:ext>
-            </a:extLst>
-          </a:blip>
-          <a:stretch>
-            <a:fillRect/>
-          </a:stretch>
-        </p:blipFill>
-        <p:spPr>
-          <a:xfrm>
-            <a:off x="6021333" y="3379677"/>
-            <a:ext cx="561357" cy="572852"/>
-          </a:xfrm>
-          <a:prstGeom prst="rect">
-            <a:avLst/>
-          </a:prstGeom>
-        </p:spPr>
-      </p:pic>
-      <p:sp>
-        <p:nvSpPr>
-          <p:cNvPr id="12" name="Google Shape;1113;p37"/>
-          <p:cNvSpPr txBox="1">
-            <a:spLocks/>
-          </p:cNvSpPr>
-          <p:nvPr/>
-        </p:nvSpPr>
-        <p:spPr>
-          <a:xfrm>
-            <a:off x="1476234" y="1619405"/>
-            <a:ext cx="4181616" cy="2447769"/>
-          </a:xfrm>
-          <a:prstGeom prst="rect">
-            <a:avLst/>
-          </a:prstGeom>
-          <a:noFill/>
-          <a:ln>
-            <a:noFill/>
-          </a:ln>
-        </p:spPr>
-        <p:txBody>
-          <a:bodyPr spcFirstLastPara="1" wrap="square" lIns="91425" tIns="91425" rIns="91425" bIns="91425" anchor="t" anchorCtr="0">
-            <a:noAutofit/>
-          </a:bodyPr>
-          <a:lstStyle>
-            <a:defPPr marR="0" lvl="0" algn="l" rtl="0">
-              <a:lnSpc>
-                <a:spcPct val="100000"/>
-              </a:lnSpc>
-              <a:spcBef>
-                <a:spcPts val="0"/>
-              </a:spcBef>
-              <a:spcAft>
-                <a:spcPts val="0"/>
-              </a:spcAft>
-            </a:defPPr>
-            <a:lvl1pPr marL="457200" marR="0" lvl="0" indent="-342900" algn="l" rtl="0">
-              <a:lnSpc>
-                <a:spcPct val="115000"/>
-              </a:lnSpc>
-              <a:spcBef>
-                <a:spcPts val="0"/>
-              </a:spcBef>
-              <a:spcAft>
-                <a:spcPts val="0"/>
-              </a:spcAft>
-              <a:buClr>
-                <a:srgbClr val="FFFFFF"/>
-              </a:buClr>
-              <a:buSzPts val="1800"/>
-              <a:buFont typeface="Roboto Light"/>
-              <a:buChar char="●"/>
-              <a:defRPr sz="1800" b="0" i="0" u="none" strike="noStrike" cap="none">
-                <a:solidFill>
-                  <a:srgbClr val="FFFFFF"/>
-                </a:solidFill>
-                <a:latin typeface="Roboto Light"/>
-                <a:ea typeface="Roboto Light"/>
-                <a:cs typeface="Roboto Light"/>
-                <a:sym typeface="Roboto Light"/>
-              </a:defRPr>
-            </a:lvl1pPr>
-            <a:lvl2pPr marL="914400" marR="0" lvl="1" indent="-317500" algn="l" rtl="0">
-              <a:lnSpc>
-                <a:spcPct val="115000"/>
-              </a:lnSpc>
-              <a:spcBef>
-                <a:spcPts val="1600"/>
-              </a:spcBef>
-              <a:spcAft>
-                <a:spcPts val="0"/>
-              </a:spcAft>
-              <a:buClr>
-                <a:srgbClr val="FFFFFF"/>
-              </a:buClr>
-              <a:buSzPts val="1400"/>
-              <a:buFont typeface="Roboto Light"/>
-              <a:buChar char="○"/>
-              <a:defRPr sz="1400" b="0" i="0" u="none" strike="noStrike" cap="none">
-                <a:solidFill>
-                  <a:srgbClr val="FFFFFF"/>
-                </a:solidFill>
-                <a:latin typeface="Roboto Light"/>
-                <a:ea typeface="Roboto Light"/>
-                <a:cs typeface="Roboto Light"/>
-                <a:sym typeface="Roboto Light"/>
-              </a:defRPr>
-            </a:lvl2pPr>
-            <a:lvl3pPr marL="1371600" marR="0" lvl="2" indent="-317500" algn="l" rtl="0">
-              <a:lnSpc>
-                <a:spcPct val="115000"/>
-              </a:lnSpc>
-              <a:spcBef>
-                <a:spcPts val="1600"/>
-              </a:spcBef>
-              <a:spcAft>
-                <a:spcPts val="0"/>
-              </a:spcAft>
-              <a:buClr>
-                <a:srgbClr val="FFFFFF"/>
-              </a:buClr>
-              <a:buSzPts val="1400"/>
-              <a:buFont typeface="Roboto Light"/>
-              <a:buChar char="■"/>
-              <a:defRPr sz="1400" b="0" i="0" u="none" strike="noStrike" cap="none">
-                <a:solidFill>
-                  <a:srgbClr val="FFFFFF"/>
-                </a:solidFill>
-                <a:latin typeface="Roboto Light"/>
-                <a:ea typeface="Roboto Light"/>
-                <a:cs typeface="Roboto Light"/>
-                <a:sym typeface="Roboto Light"/>
-              </a:defRPr>
-            </a:lvl3pPr>
-            <a:lvl4pPr marL="1828800" marR="0" lvl="3" indent="-317500" algn="l" rtl="0">
-              <a:lnSpc>
-                <a:spcPct val="115000"/>
-              </a:lnSpc>
-              <a:spcBef>
-                <a:spcPts val="1600"/>
-              </a:spcBef>
-              <a:spcAft>
-                <a:spcPts val="0"/>
-              </a:spcAft>
-              <a:buClr>
-                <a:srgbClr val="FFFFFF"/>
-              </a:buClr>
-              <a:buSzPts val="1400"/>
-              <a:buFont typeface="Roboto Light"/>
-              <a:buChar char="●"/>
-              <a:defRPr sz="1400" b="0" i="0" u="none" strike="noStrike" cap="none">
-                <a:solidFill>
-                  <a:srgbClr val="FFFFFF"/>
-                </a:solidFill>
-                <a:latin typeface="Roboto Light"/>
-                <a:ea typeface="Roboto Light"/>
-                <a:cs typeface="Roboto Light"/>
-                <a:sym typeface="Roboto Light"/>
-              </a:defRPr>
-            </a:lvl4pPr>
-            <a:lvl5pPr marL="2286000" marR="0" lvl="4" indent="-317500" algn="l" rtl="0">
-              <a:lnSpc>
-                <a:spcPct val="115000"/>
-              </a:lnSpc>
-              <a:spcBef>
-                <a:spcPts val="1600"/>
-              </a:spcBef>
-              <a:spcAft>
-                <a:spcPts val="0"/>
-              </a:spcAft>
-              <a:buClr>
-                <a:srgbClr val="FFFFFF"/>
-              </a:buClr>
-              <a:buSzPts val="1400"/>
-              <a:buFont typeface="Roboto Light"/>
-              <a:buChar char="○"/>
-              <a:defRPr sz="1400" b="0" i="0" u="none" strike="noStrike" cap="none">
-                <a:solidFill>
-                  <a:srgbClr val="FFFFFF"/>
-                </a:solidFill>
-                <a:latin typeface="Roboto Light"/>
-                <a:ea typeface="Roboto Light"/>
-                <a:cs typeface="Roboto Light"/>
-                <a:sym typeface="Roboto Light"/>
-              </a:defRPr>
-            </a:lvl5pPr>
-            <a:lvl6pPr marL="2743200" marR="0" lvl="5" indent="-317500" algn="l" rtl="0">
-              <a:lnSpc>
-                <a:spcPct val="115000"/>
-              </a:lnSpc>
-              <a:spcBef>
-                <a:spcPts val="1600"/>
-              </a:spcBef>
-              <a:spcAft>
-                <a:spcPts val="0"/>
-              </a:spcAft>
-              <a:buClr>
-                <a:srgbClr val="FFFFFF"/>
-              </a:buClr>
-              <a:buSzPts val="1400"/>
-              <a:buFont typeface="Roboto Light"/>
-              <a:buChar char="■"/>
-              <a:defRPr sz="1400" b="0" i="0" u="none" strike="noStrike" cap="none">
-                <a:solidFill>
-                  <a:srgbClr val="FFFFFF"/>
-                </a:solidFill>
-                <a:latin typeface="Roboto Light"/>
-                <a:ea typeface="Roboto Light"/>
-                <a:cs typeface="Roboto Light"/>
-                <a:sym typeface="Roboto Light"/>
-              </a:defRPr>
-            </a:lvl6pPr>
-            <a:lvl7pPr marL="3200400" marR="0" lvl="6" indent="-317500" algn="l" rtl="0">
-              <a:lnSpc>
-                <a:spcPct val="115000"/>
-              </a:lnSpc>
-              <a:spcBef>
-                <a:spcPts val="1600"/>
-              </a:spcBef>
-              <a:spcAft>
-                <a:spcPts val="0"/>
-              </a:spcAft>
-              <a:buClr>
-                <a:srgbClr val="FFFFFF"/>
-              </a:buClr>
-              <a:buSzPts val="1400"/>
-              <a:buFont typeface="Roboto Light"/>
-              <a:buChar char="●"/>
-              <a:defRPr sz="1400" b="0" i="0" u="none" strike="noStrike" cap="none">
-                <a:solidFill>
-                  <a:srgbClr val="FFFFFF"/>
-                </a:solidFill>
-                <a:latin typeface="Roboto Light"/>
-                <a:ea typeface="Roboto Light"/>
-                <a:cs typeface="Roboto Light"/>
-                <a:sym typeface="Roboto Light"/>
-              </a:defRPr>
-            </a:lvl7pPr>
-            <a:lvl8pPr marL="3657600" marR="0" lvl="7" indent="-317500" algn="l" rtl="0">
-              <a:lnSpc>
-                <a:spcPct val="115000"/>
-              </a:lnSpc>
-              <a:spcBef>
-                <a:spcPts val="1600"/>
-              </a:spcBef>
-              <a:spcAft>
-                <a:spcPts val="0"/>
-              </a:spcAft>
-              <a:buClr>
-                <a:srgbClr val="FFFFFF"/>
-              </a:buClr>
-              <a:buSzPts val="1400"/>
-              <a:buFont typeface="Roboto Light"/>
-              <a:buChar char="○"/>
-              <a:defRPr sz="1400" b="0" i="0" u="none" strike="noStrike" cap="none">
-                <a:solidFill>
-                  <a:srgbClr val="FFFFFF"/>
-                </a:solidFill>
-                <a:latin typeface="Roboto Light"/>
-                <a:ea typeface="Roboto Light"/>
-                <a:cs typeface="Roboto Light"/>
-                <a:sym typeface="Roboto Light"/>
-              </a:defRPr>
-            </a:lvl8pPr>
-            <a:lvl9pPr marL="4114800" marR="0" lvl="8" indent="-317500" algn="l" rtl="0">
-              <a:lnSpc>
-                <a:spcPct val="115000"/>
-              </a:lnSpc>
-              <a:spcBef>
-                <a:spcPts val="1600"/>
-              </a:spcBef>
-              <a:spcAft>
-                <a:spcPts val="1600"/>
-              </a:spcAft>
-              <a:buClr>
-                <a:srgbClr val="FFFFFF"/>
-              </a:buClr>
-              <a:buSzPts val="1400"/>
-              <a:buFont typeface="Roboto Light"/>
-              <a:buChar char="■"/>
-              <a:defRPr sz="1400" b="0" i="0" u="none" strike="noStrike" cap="none">
-                <a:solidFill>
-                  <a:srgbClr val="FFFFFF"/>
-                </a:solidFill>
-                <a:latin typeface="Roboto Light"/>
-                <a:ea typeface="Roboto Light"/>
-                <a:cs typeface="Roboto Light"/>
-                <a:sym typeface="Roboto Light"/>
-              </a:defRPr>
-            </a:lvl9pPr>
-          </a:lstStyle>
-          <a:p>
-            <a:pPr marL="0" indent="0" algn="just">
-              <a:buNone/>
-            </a:pPr>
-            <a:r>
-              <a:rPr lang="pt-BR" sz="1200" b="1" dirty="0" err="1" smtClean="0"/>
-              <a:t>Discord</a:t>
-            </a:r>
-            <a:r>
-              <a:rPr lang="pt-BR" sz="1200" b="1" dirty="0" smtClean="0"/>
-              <a:t>: </a:t>
-            </a:r>
-            <a:r>
-              <a:rPr lang="pt-BR" sz="1200" dirty="0" smtClean="0"/>
-              <a:t>Realizamos as Daily e reuniões urgente, além de atividades em dupla na hora de desenvolver os códigos.</a:t>
-            </a:r>
-          </a:p>
-          <a:p>
-            <a:pPr marL="0" indent="0" algn="just">
-              <a:buNone/>
-            </a:pPr>
-            <a:endParaRPr lang="pt-BR" sz="1200" dirty="0" smtClean="0"/>
-          </a:p>
-          <a:p>
-            <a:pPr marL="0" indent="0" algn="just">
-              <a:buNone/>
-            </a:pPr>
-            <a:endParaRPr lang="pt-BR" sz="1200" dirty="0" smtClean="0"/>
-          </a:p>
-          <a:p>
-            <a:pPr marL="0" indent="0" algn="just">
-              <a:buNone/>
-            </a:pPr>
-            <a:r>
-              <a:rPr lang="pt-BR" sz="1200" b="1" dirty="0" smtClean="0"/>
-              <a:t>Zoom:  </a:t>
-            </a:r>
-            <a:r>
-              <a:rPr lang="pt-BR" sz="1200" dirty="0">
-                <a:solidFill>
-                  <a:schemeClr val="bg1"/>
-                </a:solidFill>
-              </a:rPr>
-              <a:t>A</a:t>
-            </a:r>
-            <a:r>
-              <a:rPr lang="pt-BR" sz="1200" dirty="0" smtClean="0">
-                <a:solidFill>
-                  <a:schemeClr val="bg1"/>
-                </a:solidFill>
-              </a:rPr>
-              <a:t>contecia</a:t>
-            </a:r>
-            <a:r>
-              <a:rPr lang="pt-BR" sz="1200" dirty="0" smtClean="0"/>
-              <a:t> as reuniões de trabalho, onde ocorria as principais decisões do projeto.</a:t>
-            </a:r>
-          </a:p>
-          <a:p>
-            <a:pPr marL="0" indent="0" algn="just">
-              <a:buNone/>
-            </a:pPr>
-            <a:endParaRPr lang="pt-BR" sz="1200" dirty="0" smtClean="0"/>
-          </a:p>
-          <a:p>
-            <a:pPr marL="0" indent="0" algn="just">
-              <a:buNone/>
-            </a:pPr>
-            <a:endParaRPr lang="pt-BR" sz="1200" dirty="0" smtClean="0"/>
-          </a:p>
-          <a:p>
-            <a:pPr marL="0" indent="0" algn="just">
-              <a:buNone/>
-            </a:pPr>
-            <a:r>
-              <a:rPr lang="pt-BR" sz="1200" b="1" dirty="0" err="1" smtClean="0"/>
-              <a:t>Whatsapp</a:t>
-            </a:r>
-            <a:r>
-              <a:rPr lang="pt-BR" sz="1200" b="1" dirty="0" smtClean="0"/>
-              <a:t>: </a:t>
-            </a:r>
-            <a:r>
-              <a:rPr lang="pt-BR" sz="1200" dirty="0" smtClean="0"/>
-              <a:t>Ocorria as comunicações diárias referente as atividades do projeto.</a:t>
-            </a:r>
-          </a:p>
-        </p:txBody>
-      </p:sp>
-    </p:spTree>
-    <p:extLst>
-      <p:ext uri="{BB962C8B-B14F-4D97-AF65-F5344CB8AC3E}">
-        <p14:creationId xmlns:p14="http://schemas.microsoft.com/office/powerpoint/2010/main" val="2568922639"/>
-      </p:ext>
-    </p:extLst>
-  </p:cSld>
-  <p:clrMapOvr>
-    <a:masterClrMapping/>
-  </p:clrMapOvr>
-  <p:timing>
-    <p:tnLst>
-      <p:par>
-        <p:cTn id="1" dur="indefinite" restart="never" nodeType="tmRoot"/>
-      </p:par>
-    </p:tnLst>
-  </p:timing>
-</p:sld>
-</file>
-
-<file path=ppt/slides/slide7.xml><?xml version="1.0" encoding="utf-8"?>
-<p:sld xmlns:a="http://schemas.openxmlformats.org/drawingml/2006/main" xmlns:r="http://schemas.openxmlformats.org/officeDocument/2006/relationships" xmlns:p="http://schemas.openxmlformats.org/presentationml/2006/main">
-  <p:cSld>
-    <p:spTree>
-      <p:nvGrpSpPr>
         <p:cNvPr id="1" name=""/>
         <p:cNvGrpSpPr/>
         <p:nvPr/>
@@ -17989,6 +17035,1338 @@
     <p:extLst>
       <p:ext uri="{BB962C8B-B14F-4D97-AF65-F5344CB8AC3E}">
         <p14:creationId xmlns:p14="http://schemas.microsoft.com/office/powerpoint/2010/main" val="1189608956"/>
+      </p:ext>
+    </p:extLst>
+  </p:cSld>
+  <p:clrMapOvr>
+    <a:masterClrMapping/>
+  </p:clrMapOvr>
+  <p:timing>
+    <p:tnLst>
+      <p:par>
+        <p:cTn id="1" dur="indefinite" restart="never" nodeType="tmRoot"/>
+      </p:par>
+    </p:tnLst>
+  </p:timing>
+</p:sld>
+</file>
+
+<file path=ppt/slides/slide5.xml><?xml version="1.0" encoding="utf-8"?>
+<p:sld xmlns:a="http://schemas.openxmlformats.org/drawingml/2006/main" xmlns:r="http://schemas.openxmlformats.org/officeDocument/2006/relationships" xmlns:p="http://schemas.openxmlformats.org/presentationml/2006/main">
+  <p:cSld>
+    <p:spTree>
+      <p:nvGrpSpPr>
+        <p:cNvPr id="1" name=""/>
+        <p:cNvGrpSpPr/>
+        <p:nvPr/>
+      </p:nvGrpSpPr>
+      <p:grpSpPr>
+        <a:xfrm>
+          <a:off x="0" y="0"/>
+          <a:ext cx="0" cy="0"/>
+          <a:chOff x="0" y="0"/>
+          <a:chExt cx="0" cy="0"/>
+        </a:xfrm>
+      </p:grpSpPr>
+      <p:sp>
+        <p:nvSpPr>
+          <p:cNvPr id="12" name="Título 22"/>
+          <p:cNvSpPr txBox="1">
+            <a:spLocks/>
+          </p:cNvSpPr>
+          <p:nvPr/>
+        </p:nvSpPr>
+        <p:spPr>
+          <a:xfrm>
+            <a:off x="456776" y="2382956"/>
+            <a:ext cx="5744040" cy="606600"/>
+          </a:xfrm>
+          <a:prstGeom prst="rect">
+            <a:avLst/>
+          </a:prstGeom>
+          <a:noFill/>
+          <a:ln>
+            <a:noFill/>
+          </a:ln>
+        </p:spPr>
+        <p:txBody>
+          <a:bodyPr spcFirstLastPara="1" wrap="square" lIns="91425" tIns="91425" rIns="91425" bIns="91425" anchor="b" anchorCtr="0">
+            <a:noAutofit/>
+          </a:bodyPr>
+          <a:lstStyle>
+            <a:defPPr marR="0" lvl="0" algn="l" rtl="0">
+              <a:lnSpc>
+                <a:spcPct val="100000"/>
+              </a:lnSpc>
+              <a:spcBef>
+                <a:spcPts val="0"/>
+              </a:spcBef>
+              <a:spcAft>
+                <a:spcPts val="0"/>
+              </a:spcAft>
+            </a:defPPr>
+            <a:lvl1pPr marR="0" lvl="0" algn="l" rtl="0">
+              <a:lnSpc>
+                <a:spcPct val="100000"/>
+              </a:lnSpc>
+              <a:spcBef>
+                <a:spcPts val="0"/>
+              </a:spcBef>
+              <a:spcAft>
+                <a:spcPts val="0"/>
+              </a:spcAft>
+              <a:buClr>
+                <a:srgbClr val="FFFFFF"/>
+              </a:buClr>
+              <a:buSzPts val="3600"/>
+              <a:buFont typeface="Roboto Black"/>
+              <a:buNone/>
+              <a:defRPr sz="3600" b="0" i="0" u="none" strike="noStrike" cap="none">
+                <a:solidFill>
+                  <a:srgbClr val="FFFFFF"/>
+                </a:solidFill>
+                <a:latin typeface="Roboto Black"/>
+                <a:ea typeface="Roboto Black"/>
+                <a:cs typeface="Roboto Black"/>
+                <a:sym typeface="Roboto Black"/>
+              </a:defRPr>
+            </a:lvl1pPr>
+            <a:lvl2pPr marR="0" lvl="1" algn="ctr" rtl="0">
+              <a:lnSpc>
+                <a:spcPct val="100000"/>
+              </a:lnSpc>
+              <a:spcBef>
+                <a:spcPts val="0"/>
+              </a:spcBef>
+              <a:spcAft>
+                <a:spcPts val="0"/>
+              </a:spcAft>
+              <a:buClr>
+                <a:srgbClr val="FFFFFF"/>
+              </a:buClr>
+              <a:buSzPts val="5200"/>
+              <a:buFont typeface="Bree Serif"/>
+              <a:buNone/>
+              <a:defRPr sz="5200" b="1" i="0" u="none" strike="noStrike" cap="none">
+                <a:solidFill>
+                  <a:srgbClr val="FFFFFF"/>
+                </a:solidFill>
+                <a:latin typeface="Bree Serif"/>
+                <a:ea typeface="Bree Serif"/>
+                <a:cs typeface="Bree Serif"/>
+                <a:sym typeface="Bree Serif"/>
+              </a:defRPr>
+            </a:lvl2pPr>
+            <a:lvl3pPr marR="0" lvl="2" algn="ctr" rtl="0">
+              <a:lnSpc>
+                <a:spcPct val="100000"/>
+              </a:lnSpc>
+              <a:spcBef>
+                <a:spcPts val="0"/>
+              </a:spcBef>
+              <a:spcAft>
+                <a:spcPts val="0"/>
+              </a:spcAft>
+              <a:buClr>
+                <a:srgbClr val="FFFFFF"/>
+              </a:buClr>
+              <a:buSzPts val="5200"/>
+              <a:buFont typeface="Bree Serif"/>
+              <a:buNone/>
+              <a:defRPr sz="5200" b="1" i="0" u="none" strike="noStrike" cap="none">
+                <a:solidFill>
+                  <a:srgbClr val="FFFFFF"/>
+                </a:solidFill>
+                <a:latin typeface="Bree Serif"/>
+                <a:ea typeface="Bree Serif"/>
+                <a:cs typeface="Bree Serif"/>
+                <a:sym typeface="Bree Serif"/>
+              </a:defRPr>
+            </a:lvl3pPr>
+            <a:lvl4pPr marR="0" lvl="3" algn="ctr" rtl="0">
+              <a:lnSpc>
+                <a:spcPct val="100000"/>
+              </a:lnSpc>
+              <a:spcBef>
+                <a:spcPts val="0"/>
+              </a:spcBef>
+              <a:spcAft>
+                <a:spcPts val="0"/>
+              </a:spcAft>
+              <a:buClr>
+                <a:srgbClr val="FFFFFF"/>
+              </a:buClr>
+              <a:buSzPts val="5200"/>
+              <a:buFont typeface="Bree Serif"/>
+              <a:buNone/>
+              <a:defRPr sz="5200" b="1" i="0" u="none" strike="noStrike" cap="none">
+                <a:solidFill>
+                  <a:srgbClr val="FFFFFF"/>
+                </a:solidFill>
+                <a:latin typeface="Bree Serif"/>
+                <a:ea typeface="Bree Serif"/>
+                <a:cs typeface="Bree Serif"/>
+                <a:sym typeface="Bree Serif"/>
+              </a:defRPr>
+            </a:lvl4pPr>
+            <a:lvl5pPr marR="0" lvl="4" algn="ctr" rtl="0">
+              <a:lnSpc>
+                <a:spcPct val="100000"/>
+              </a:lnSpc>
+              <a:spcBef>
+                <a:spcPts val="0"/>
+              </a:spcBef>
+              <a:spcAft>
+                <a:spcPts val="0"/>
+              </a:spcAft>
+              <a:buClr>
+                <a:srgbClr val="FFFFFF"/>
+              </a:buClr>
+              <a:buSzPts val="5200"/>
+              <a:buFont typeface="Bree Serif"/>
+              <a:buNone/>
+              <a:defRPr sz="5200" b="1" i="0" u="none" strike="noStrike" cap="none">
+                <a:solidFill>
+                  <a:srgbClr val="FFFFFF"/>
+                </a:solidFill>
+                <a:latin typeface="Bree Serif"/>
+                <a:ea typeface="Bree Serif"/>
+                <a:cs typeface="Bree Serif"/>
+                <a:sym typeface="Bree Serif"/>
+              </a:defRPr>
+            </a:lvl5pPr>
+            <a:lvl6pPr marR="0" lvl="5" algn="ctr" rtl="0">
+              <a:lnSpc>
+                <a:spcPct val="100000"/>
+              </a:lnSpc>
+              <a:spcBef>
+                <a:spcPts val="0"/>
+              </a:spcBef>
+              <a:spcAft>
+                <a:spcPts val="0"/>
+              </a:spcAft>
+              <a:buClr>
+                <a:srgbClr val="FFFFFF"/>
+              </a:buClr>
+              <a:buSzPts val="5200"/>
+              <a:buFont typeface="Bree Serif"/>
+              <a:buNone/>
+              <a:defRPr sz="5200" b="1" i="0" u="none" strike="noStrike" cap="none">
+                <a:solidFill>
+                  <a:srgbClr val="FFFFFF"/>
+                </a:solidFill>
+                <a:latin typeface="Bree Serif"/>
+                <a:ea typeface="Bree Serif"/>
+                <a:cs typeface="Bree Serif"/>
+                <a:sym typeface="Bree Serif"/>
+              </a:defRPr>
+            </a:lvl6pPr>
+            <a:lvl7pPr marR="0" lvl="6" algn="ctr" rtl="0">
+              <a:lnSpc>
+                <a:spcPct val="100000"/>
+              </a:lnSpc>
+              <a:spcBef>
+                <a:spcPts val="0"/>
+              </a:spcBef>
+              <a:spcAft>
+                <a:spcPts val="0"/>
+              </a:spcAft>
+              <a:buClr>
+                <a:srgbClr val="FFFFFF"/>
+              </a:buClr>
+              <a:buSzPts val="5200"/>
+              <a:buFont typeface="Bree Serif"/>
+              <a:buNone/>
+              <a:defRPr sz="5200" b="1" i="0" u="none" strike="noStrike" cap="none">
+                <a:solidFill>
+                  <a:srgbClr val="FFFFFF"/>
+                </a:solidFill>
+                <a:latin typeface="Bree Serif"/>
+                <a:ea typeface="Bree Serif"/>
+                <a:cs typeface="Bree Serif"/>
+                <a:sym typeface="Bree Serif"/>
+              </a:defRPr>
+            </a:lvl7pPr>
+            <a:lvl8pPr marR="0" lvl="7" algn="ctr" rtl="0">
+              <a:lnSpc>
+                <a:spcPct val="100000"/>
+              </a:lnSpc>
+              <a:spcBef>
+                <a:spcPts val="0"/>
+              </a:spcBef>
+              <a:spcAft>
+                <a:spcPts val="0"/>
+              </a:spcAft>
+              <a:buClr>
+                <a:srgbClr val="FFFFFF"/>
+              </a:buClr>
+              <a:buSzPts val="5200"/>
+              <a:buFont typeface="Bree Serif"/>
+              <a:buNone/>
+              <a:defRPr sz="5200" b="1" i="0" u="none" strike="noStrike" cap="none">
+                <a:solidFill>
+                  <a:srgbClr val="FFFFFF"/>
+                </a:solidFill>
+                <a:latin typeface="Bree Serif"/>
+                <a:ea typeface="Bree Serif"/>
+                <a:cs typeface="Bree Serif"/>
+                <a:sym typeface="Bree Serif"/>
+              </a:defRPr>
+            </a:lvl8pPr>
+            <a:lvl9pPr marR="0" lvl="8" algn="ctr" rtl="0">
+              <a:lnSpc>
+                <a:spcPct val="100000"/>
+              </a:lnSpc>
+              <a:spcBef>
+                <a:spcPts val="0"/>
+              </a:spcBef>
+              <a:spcAft>
+                <a:spcPts val="0"/>
+              </a:spcAft>
+              <a:buClr>
+                <a:srgbClr val="FFFFFF"/>
+              </a:buClr>
+              <a:buSzPts val="5200"/>
+              <a:buFont typeface="Bree Serif"/>
+              <a:buNone/>
+              <a:defRPr sz="5200" b="1" i="0" u="none" strike="noStrike" cap="none">
+                <a:solidFill>
+                  <a:srgbClr val="FFFFFF"/>
+                </a:solidFill>
+                <a:latin typeface="Bree Serif"/>
+                <a:ea typeface="Bree Serif"/>
+                <a:cs typeface="Bree Serif"/>
+                <a:sym typeface="Bree Serif"/>
+              </a:defRPr>
+            </a:lvl9pPr>
+          </a:lstStyle>
+          <a:p>
+            <a:r>
+              <a:rPr lang="pt-BR" sz="2800" dirty="0" smtClean="0"/>
+              <a:t>CONTROLE DE EXECUÇÃO</a:t>
+            </a:r>
+            <a:endParaRPr lang="pt-BR" sz="2800" dirty="0"/>
+          </a:p>
+        </p:txBody>
+      </p:sp>
+      <p:cxnSp>
+        <p:nvCxnSpPr>
+          <p:cNvPr id="13" name="Google Shape;403;p26"/>
+          <p:cNvCxnSpPr/>
+          <p:nvPr/>
+        </p:nvCxnSpPr>
+        <p:spPr>
+          <a:xfrm flipV="1">
+            <a:off x="535397" y="2966768"/>
+            <a:ext cx="4397021" cy="22788"/>
+          </a:xfrm>
+          <a:prstGeom prst="straightConnector1">
+            <a:avLst/>
+          </a:prstGeom>
+          <a:noFill/>
+          <a:ln w="9525" cap="flat" cmpd="sng">
+            <a:solidFill>
+              <a:schemeClr val="bg1">
+                <a:lumMod val="75000"/>
+              </a:schemeClr>
+            </a:solidFill>
+            <a:prstDash val="solid"/>
+            <a:round/>
+            <a:headEnd type="none" w="med" len="med"/>
+            <a:tailEnd type="none" w="med" len="med"/>
+          </a:ln>
+        </p:spPr>
+      </p:cxnSp>
+      <p:pic>
+        <p:nvPicPr>
+          <p:cNvPr id="2" name="Imagem 1"/>
+          <p:cNvPicPr>
+            <a:picLocks noChangeAspect="1"/>
+          </p:cNvPicPr>
+          <p:nvPr/>
+        </p:nvPicPr>
+        <p:blipFill>
+          <a:blip r:embed="rId2">
+            <a:lum bright="70000" contrast="-70000"/>
+            <a:extLst>
+              <a:ext uri="{28A0092B-C50C-407E-A947-70E740481C1C}">
+                <a14:useLocalDpi xmlns:a14="http://schemas.microsoft.com/office/drawing/2010/main" val="0"/>
+              </a:ext>
+            </a:extLst>
+          </a:blip>
+          <a:stretch>
+            <a:fillRect/>
+          </a:stretch>
+        </p:blipFill>
+        <p:spPr>
+          <a:xfrm>
+            <a:off x="5325203" y="1680111"/>
+            <a:ext cx="3376419" cy="1729723"/>
+          </a:xfrm>
+          <a:prstGeom prst="rect">
+            <a:avLst/>
+          </a:prstGeom>
+        </p:spPr>
+      </p:pic>
+    </p:spTree>
+    <p:extLst>
+      <p:ext uri="{BB962C8B-B14F-4D97-AF65-F5344CB8AC3E}">
+        <p14:creationId xmlns:p14="http://schemas.microsoft.com/office/powerpoint/2010/main" val="1465976292"/>
+      </p:ext>
+    </p:extLst>
+  </p:cSld>
+  <p:clrMapOvr>
+    <a:masterClrMapping/>
+  </p:clrMapOvr>
+  <p:timing>
+    <p:tnLst>
+      <p:par>
+        <p:cTn id="1" dur="indefinite" restart="never" nodeType="tmRoot"/>
+      </p:par>
+    </p:tnLst>
+  </p:timing>
+</p:sld>
+</file>
+
+<file path=ppt/slides/slide6.xml><?xml version="1.0" encoding="utf-8"?>
+<p:sld xmlns:a="http://schemas.openxmlformats.org/drawingml/2006/main" xmlns:r="http://schemas.openxmlformats.org/officeDocument/2006/relationships" xmlns:p="http://schemas.openxmlformats.org/presentationml/2006/main">
+  <p:cSld>
+    <p:spTree>
+      <p:nvGrpSpPr>
+        <p:cNvPr id="1" name="Shape 1103"/>
+        <p:cNvGrpSpPr/>
+        <p:nvPr/>
+      </p:nvGrpSpPr>
+      <p:grpSpPr>
+        <a:xfrm>
+          <a:off x="0" y="0"/>
+          <a:ext cx="0" cy="0"/>
+          <a:chOff x="0" y="0"/>
+          <a:chExt cx="0" cy="0"/>
+        </a:xfrm>
+      </p:grpSpPr>
+      <p:sp>
+        <p:nvSpPr>
+          <p:cNvPr id="1104" name="Google Shape;1104;p37"/>
+          <p:cNvSpPr txBox="1">
+            <a:spLocks noGrp="1"/>
+          </p:cNvSpPr>
+          <p:nvPr>
+            <p:ph type="ctrTitle"/>
+          </p:nvPr>
+        </p:nvSpPr>
+        <p:spPr>
+          <a:xfrm>
+            <a:off x="311700" y="644550"/>
+            <a:ext cx="8520600" cy="606600"/>
+          </a:xfrm>
+          <a:prstGeom prst="rect">
+            <a:avLst/>
+          </a:prstGeom>
+        </p:spPr>
+        <p:txBody>
+          <a:bodyPr spcFirstLastPara="1" wrap="square" lIns="91425" tIns="91425" rIns="91425" bIns="91425" anchor="b" anchorCtr="0">
+            <a:noAutofit/>
+          </a:bodyPr>
+          <a:lstStyle/>
+          <a:p>
+            <a:pPr lvl="0"/>
+            <a:r>
+              <a:rPr lang="pt-BR" b="1" dirty="0" smtClean="0"/>
+              <a:t>Ferramentas de gestão de projetos</a:t>
+            </a:r>
+            <a:endParaRPr lang="pt-BR" dirty="0"/>
+          </a:p>
+        </p:txBody>
+      </p:sp>
+      <p:sp>
+        <p:nvSpPr>
+          <p:cNvPr id="1113" name="Google Shape;1113;p37"/>
+          <p:cNvSpPr txBox="1">
+            <a:spLocks noGrp="1"/>
+          </p:cNvSpPr>
+          <p:nvPr>
+            <p:ph type="subTitle" idx="4294967295"/>
+          </p:nvPr>
+        </p:nvSpPr>
+        <p:spPr>
+          <a:xfrm>
+            <a:off x="580292" y="3075736"/>
+            <a:ext cx="3642214" cy="1082914"/>
+          </a:xfrm>
+          <a:prstGeom prst="rect">
+            <a:avLst/>
+          </a:prstGeom>
+        </p:spPr>
+        <p:txBody>
+          <a:bodyPr spcFirstLastPara="1" wrap="square" lIns="91425" tIns="91425" rIns="91425" bIns="91425" anchor="t" anchorCtr="0">
+            <a:noAutofit/>
+          </a:bodyPr>
+          <a:lstStyle/>
+          <a:p>
+            <a:pPr marL="0" indent="0" algn="just">
+              <a:buNone/>
+            </a:pPr>
+            <a:r>
+              <a:rPr lang="pt-BR" sz="1200" dirty="0" smtClean="0"/>
+              <a:t>Através do </a:t>
+            </a:r>
+            <a:r>
+              <a:rPr lang="pt-BR" sz="1200" dirty="0"/>
+              <a:t>GitHub </a:t>
+            </a:r>
+            <a:r>
+              <a:rPr lang="pt-BR" sz="1200" dirty="0" smtClean="0"/>
+              <a:t>nosso grupo conseguiu gerenciar nosso projeto e as </a:t>
+            </a:r>
+            <a:r>
+              <a:rPr lang="pt-BR" sz="1200" dirty="0"/>
+              <a:t>versões de </a:t>
+            </a:r>
+            <a:r>
+              <a:rPr lang="pt-BR" sz="1200" dirty="0" smtClean="0"/>
+              <a:t>códigos criadas.</a:t>
+            </a:r>
+            <a:endParaRPr lang="pt-BR" sz="1200" dirty="0"/>
+          </a:p>
+        </p:txBody>
+      </p:sp>
+      <p:cxnSp>
+        <p:nvCxnSpPr>
+          <p:cNvPr id="1117" name="Google Shape;1117;p37"/>
+          <p:cNvCxnSpPr/>
+          <p:nvPr/>
+        </p:nvCxnSpPr>
+        <p:spPr>
+          <a:xfrm>
+            <a:off x="311700" y="1191700"/>
+            <a:ext cx="8520600" cy="0"/>
+          </a:xfrm>
+          <a:prstGeom prst="straightConnector1">
+            <a:avLst/>
+          </a:prstGeom>
+          <a:noFill/>
+          <a:ln w="9525" cap="flat" cmpd="sng">
+            <a:solidFill>
+              <a:schemeClr val="bg1"/>
+            </a:solidFill>
+            <a:prstDash val="solid"/>
+            <a:round/>
+            <a:headEnd type="none" w="med" len="med"/>
+            <a:tailEnd type="none" w="med" len="med"/>
+          </a:ln>
+        </p:spPr>
+      </p:cxnSp>
+      <p:pic>
+        <p:nvPicPr>
+          <p:cNvPr id="2" name="Imagem 1"/>
+          <p:cNvPicPr>
+            <a:picLocks noChangeAspect="1"/>
+          </p:cNvPicPr>
+          <p:nvPr/>
+        </p:nvPicPr>
+        <p:blipFill>
+          <a:blip r:embed="rId3">
+            <a:lum bright="70000" contrast="-70000"/>
+            <a:extLst>
+              <a:ext uri="{28A0092B-C50C-407E-A947-70E740481C1C}">
+                <a14:useLocalDpi xmlns:a14="http://schemas.microsoft.com/office/drawing/2010/main" val="0"/>
+              </a:ext>
+            </a:extLst>
+          </a:blip>
+          <a:stretch>
+            <a:fillRect/>
+          </a:stretch>
+        </p:blipFill>
+        <p:spPr>
+          <a:xfrm>
+            <a:off x="405545" y="2276491"/>
+            <a:ext cx="1995854" cy="739796"/>
+          </a:xfrm>
+          <a:prstGeom prst="rect">
+            <a:avLst/>
+          </a:prstGeom>
+        </p:spPr>
+      </p:pic>
+      <p:pic>
+        <p:nvPicPr>
+          <p:cNvPr id="4" name="Imagem 3"/>
+          <p:cNvPicPr>
+            <a:picLocks noChangeAspect="1"/>
+          </p:cNvPicPr>
+          <p:nvPr/>
+        </p:nvPicPr>
+        <p:blipFill>
+          <a:blip r:embed="rId4"/>
+          <a:stretch>
+            <a:fillRect/>
+          </a:stretch>
+        </p:blipFill>
+        <p:spPr>
+          <a:xfrm>
+            <a:off x="4572000" y="1476375"/>
+            <a:ext cx="3989614" cy="3490912"/>
+          </a:xfrm>
+          <a:prstGeom prst="rect">
+            <a:avLst/>
+          </a:prstGeom>
+        </p:spPr>
+      </p:pic>
+    </p:spTree>
+  </p:cSld>
+  <p:clrMapOvr>
+    <a:masterClrMapping/>
+  </p:clrMapOvr>
+  <p:timing>
+    <p:tnLst>
+      <p:par>
+        <p:cTn id="1" dur="indefinite" restart="never" nodeType="tmRoot"/>
+      </p:par>
+    </p:tnLst>
+  </p:timing>
+</p:sld>
+</file>
+
+<file path=ppt/slides/slide7.xml><?xml version="1.0" encoding="utf-8"?>
+<p:sld xmlns:a="http://schemas.openxmlformats.org/drawingml/2006/main" xmlns:r="http://schemas.openxmlformats.org/officeDocument/2006/relationships" xmlns:p="http://schemas.openxmlformats.org/presentationml/2006/main">
+  <p:cSld>
+    <p:spTree>
+      <p:nvGrpSpPr>
+        <p:cNvPr id="1" name="Shape 1103"/>
+        <p:cNvGrpSpPr/>
+        <p:nvPr/>
+      </p:nvGrpSpPr>
+      <p:grpSpPr>
+        <a:xfrm>
+          <a:off x="0" y="0"/>
+          <a:ext cx="0" cy="0"/>
+          <a:chOff x="0" y="0"/>
+          <a:chExt cx="0" cy="0"/>
+        </a:xfrm>
+      </p:grpSpPr>
+      <p:sp>
+        <p:nvSpPr>
+          <p:cNvPr id="1104" name="Google Shape;1104;p37"/>
+          <p:cNvSpPr txBox="1">
+            <a:spLocks noGrp="1"/>
+          </p:cNvSpPr>
+          <p:nvPr>
+            <p:ph type="ctrTitle"/>
+          </p:nvPr>
+        </p:nvSpPr>
+        <p:spPr>
+          <a:xfrm>
+            <a:off x="311700" y="644550"/>
+            <a:ext cx="8520600" cy="606600"/>
+          </a:xfrm>
+          <a:prstGeom prst="rect">
+            <a:avLst/>
+          </a:prstGeom>
+        </p:spPr>
+        <p:txBody>
+          <a:bodyPr spcFirstLastPara="1" wrap="square" lIns="91425" tIns="91425" rIns="91425" bIns="91425" anchor="b" anchorCtr="0">
+            <a:noAutofit/>
+          </a:bodyPr>
+          <a:lstStyle/>
+          <a:p>
+            <a:pPr lvl="0"/>
+            <a:r>
+              <a:rPr lang="pt-BR" b="1" dirty="0" smtClean="0"/>
+              <a:t>Ferramentas de gestão de projetos</a:t>
+            </a:r>
+            <a:endParaRPr lang="pt-BR" dirty="0"/>
+          </a:p>
+        </p:txBody>
+      </p:sp>
+      <p:sp>
+        <p:nvSpPr>
+          <p:cNvPr id="1113" name="Google Shape;1113;p37"/>
+          <p:cNvSpPr txBox="1">
+            <a:spLocks noGrp="1"/>
+          </p:cNvSpPr>
+          <p:nvPr>
+            <p:ph type="subTitle" idx="4294967295"/>
+          </p:nvPr>
+        </p:nvSpPr>
+        <p:spPr>
+          <a:xfrm>
+            <a:off x="444011" y="2578810"/>
+            <a:ext cx="3642214" cy="1082914"/>
+          </a:xfrm>
+          <a:prstGeom prst="rect">
+            <a:avLst/>
+          </a:prstGeom>
+        </p:spPr>
+        <p:txBody>
+          <a:bodyPr spcFirstLastPara="1" wrap="square" lIns="91425" tIns="91425" rIns="91425" bIns="91425" anchor="t" anchorCtr="0">
+            <a:noAutofit/>
+          </a:bodyPr>
+          <a:lstStyle/>
+          <a:p>
+            <a:pPr marL="0" indent="0" algn="just">
+              <a:buNone/>
+            </a:pPr>
+            <a:r>
+              <a:rPr lang="pt-BR" sz="1200" dirty="0"/>
+              <a:t>Com o Microsoft </a:t>
+            </a:r>
+            <a:r>
+              <a:rPr lang="pt-BR" sz="1200" dirty="0" err="1"/>
+              <a:t>Planner</a:t>
+            </a:r>
+            <a:r>
+              <a:rPr lang="pt-BR" sz="1200" dirty="0"/>
+              <a:t> separamos </a:t>
+            </a:r>
+            <a:r>
+              <a:rPr lang="pt-BR" sz="1200" dirty="0" smtClean="0"/>
+              <a:t>e gerenciamos as atividades através dos gráficos e status.</a:t>
+            </a:r>
+          </a:p>
+          <a:p>
+            <a:pPr marL="0" indent="0" algn="just">
+              <a:buNone/>
+            </a:pPr>
+            <a:r>
+              <a:rPr lang="pt-BR" sz="1200" dirty="0" smtClean="0"/>
+              <a:t>Essa ferramenta facilitou a divisão e controle das atividades do projeto.</a:t>
+            </a:r>
+            <a:endParaRPr lang="pt-BR" sz="1200" dirty="0"/>
+          </a:p>
+        </p:txBody>
+      </p:sp>
+      <p:cxnSp>
+        <p:nvCxnSpPr>
+          <p:cNvPr id="1117" name="Google Shape;1117;p37"/>
+          <p:cNvCxnSpPr/>
+          <p:nvPr/>
+        </p:nvCxnSpPr>
+        <p:spPr>
+          <a:xfrm>
+            <a:off x="311700" y="1191700"/>
+            <a:ext cx="8520600" cy="0"/>
+          </a:xfrm>
+          <a:prstGeom prst="straightConnector1">
+            <a:avLst/>
+          </a:prstGeom>
+          <a:noFill/>
+          <a:ln w="9525" cap="flat" cmpd="sng">
+            <a:solidFill>
+              <a:schemeClr val="bg1"/>
+            </a:solidFill>
+            <a:prstDash val="solid"/>
+            <a:round/>
+            <a:headEnd type="none" w="med" len="med"/>
+            <a:tailEnd type="none" w="med" len="med"/>
+          </a:ln>
+        </p:spPr>
+      </p:cxnSp>
+      <p:pic>
+        <p:nvPicPr>
+          <p:cNvPr id="7" name="Imagem 6"/>
+          <p:cNvPicPr>
+            <a:picLocks noChangeAspect="1"/>
+          </p:cNvPicPr>
+          <p:nvPr/>
+        </p:nvPicPr>
+        <p:blipFill>
+          <a:blip r:embed="rId3">
+            <a:extLst>
+              <a:ext uri="{28A0092B-C50C-407E-A947-70E740481C1C}">
+                <a14:useLocalDpi xmlns:a14="http://schemas.microsoft.com/office/drawing/2010/main" val="0"/>
+              </a:ext>
+            </a:extLst>
+          </a:blip>
+          <a:stretch>
+            <a:fillRect/>
+          </a:stretch>
+        </p:blipFill>
+        <p:spPr>
+          <a:xfrm>
+            <a:off x="444011" y="2212739"/>
+            <a:ext cx="2764806" cy="366071"/>
+          </a:xfrm>
+          <a:prstGeom prst="rect">
+            <a:avLst/>
+          </a:prstGeom>
+        </p:spPr>
+      </p:pic>
+      <p:pic>
+        <p:nvPicPr>
+          <p:cNvPr id="3" name="Imagem 2"/>
+          <p:cNvPicPr>
+            <a:picLocks noChangeAspect="1"/>
+          </p:cNvPicPr>
+          <p:nvPr/>
+        </p:nvPicPr>
+        <p:blipFill>
+          <a:blip r:embed="rId4"/>
+          <a:stretch>
+            <a:fillRect/>
+          </a:stretch>
+        </p:blipFill>
+        <p:spPr>
+          <a:xfrm>
+            <a:off x="4086225" y="1599361"/>
+            <a:ext cx="4534580" cy="2952750"/>
+          </a:xfrm>
+          <a:prstGeom prst="rect">
+            <a:avLst/>
+          </a:prstGeom>
+        </p:spPr>
+      </p:pic>
+    </p:spTree>
+    <p:extLst>
+      <p:ext uri="{BB962C8B-B14F-4D97-AF65-F5344CB8AC3E}">
+        <p14:creationId xmlns:p14="http://schemas.microsoft.com/office/powerpoint/2010/main" val="866037186"/>
+      </p:ext>
+    </p:extLst>
+  </p:cSld>
+  <p:clrMapOvr>
+    <a:masterClrMapping/>
+  </p:clrMapOvr>
+  <p:timing>
+    <p:tnLst>
+      <p:par>
+        <p:cTn id="1" dur="indefinite" restart="never" nodeType="tmRoot"/>
+      </p:par>
+    </p:tnLst>
+  </p:timing>
+</p:sld>
+</file>
+
+<file path=ppt/slides/slide8.xml><?xml version="1.0" encoding="utf-8"?>
+<p:sld xmlns:a="http://schemas.openxmlformats.org/drawingml/2006/main" xmlns:r="http://schemas.openxmlformats.org/officeDocument/2006/relationships" xmlns:p="http://schemas.openxmlformats.org/presentationml/2006/main">
+  <p:cSld>
+    <p:spTree>
+      <p:nvGrpSpPr>
+        <p:cNvPr id="1" name="Shape 1103"/>
+        <p:cNvGrpSpPr/>
+        <p:nvPr/>
+      </p:nvGrpSpPr>
+      <p:grpSpPr>
+        <a:xfrm>
+          <a:off x="0" y="0"/>
+          <a:ext cx="0" cy="0"/>
+          <a:chOff x="0" y="0"/>
+          <a:chExt cx="0" cy="0"/>
+        </a:xfrm>
+      </p:grpSpPr>
+      <p:sp>
+        <p:nvSpPr>
+          <p:cNvPr id="1104" name="Google Shape;1104;p37"/>
+          <p:cNvSpPr txBox="1">
+            <a:spLocks noGrp="1"/>
+          </p:cNvSpPr>
+          <p:nvPr>
+            <p:ph type="ctrTitle"/>
+          </p:nvPr>
+        </p:nvSpPr>
+        <p:spPr>
+          <a:xfrm>
+            <a:off x="0" y="644550"/>
+            <a:ext cx="9144000" cy="606600"/>
+          </a:xfrm>
+          <a:prstGeom prst="rect">
+            <a:avLst/>
+          </a:prstGeom>
+        </p:spPr>
+        <p:txBody>
+          <a:bodyPr spcFirstLastPara="1" wrap="square" lIns="91425" tIns="91425" rIns="91425" bIns="91425" anchor="b" anchorCtr="0">
+            <a:noAutofit/>
+          </a:bodyPr>
+          <a:lstStyle/>
+          <a:p>
+            <a:pPr lvl="0"/>
+            <a:r>
+              <a:rPr lang="pt-BR" b="1" dirty="0" smtClean="0"/>
+              <a:t>Ferramentas para comunicação </a:t>
+            </a:r>
+            <a:endParaRPr lang="pt-BR" dirty="0"/>
+          </a:p>
+        </p:txBody>
+      </p:sp>
+      <p:cxnSp>
+        <p:nvCxnSpPr>
+          <p:cNvPr id="1117" name="Google Shape;1117;p37"/>
+          <p:cNvCxnSpPr/>
+          <p:nvPr/>
+        </p:nvCxnSpPr>
+        <p:spPr>
+          <a:xfrm>
+            <a:off x="311700" y="1191700"/>
+            <a:ext cx="8520600" cy="0"/>
+          </a:xfrm>
+          <a:prstGeom prst="straightConnector1">
+            <a:avLst/>
+          </a:prstGeom>
+          <a:noFill/>
+          <a:ln w="9525" cap="flat" cmpd="sng">
+            <a:solidFill>
+              <a:schemeClr val="bg1"/>
+            </a:solidFill>
+            <a:prstDash val="solid"/>
+            <a:round/>
+            <a:headEnd type="none" w="med" len="med"/>
+            <a:tailEnd type="none" w="med" len="med"/>
+          </a:ln>
+        </p:spPr>
+      </p:cxnSp>
+      <p:pic>
+        <p:nvPicPr>
+          <p:cNvPr id="8" name="Imagem 7"/>
+          <p:cNvPicPr>
+            <a:picLocks noChangeAspect="1"/>
+          </p:cNvPicPr>
+          <p:nvPr/>
+        </p:nvPicPr>
+        <p:blipFill>
+          <a:blip r:embed="rId3">
+            <a:extLst>
+              <a:ext uri="{28A0092B-C50C-407E-A947-70E740481C1C}">
+                <a14:useLocalDpi xmlns:a14="http://schemas.microsoft.com/office/drawing/2010/main" val="0"/>
+              </a:ext>
+            </a:extLst>
+          </a:blip>
+          <a:stretch>
+            <a:fillRect/>
+          </a:stretch>
+        </p:blipFill>
+        <p:spPr>
+          <a:xfrm>
+            <a:off x="6021333" y="2463696"/>
+            <a:ext cx="1358138" cy="504451"/>
+          </a:xfrm>
+          <a:prstGeom prst="rect">
+            <a:avLst/>
+          </a:prstGeom>
+        </p:spPr>
+      </p:pic>
+      <p:pic>
+        <p:nvPicPr>
+          <p:cNvPr id="9" name="Imagem 8"/>
+          <p:cNvPicPr>
+            <a:picLocks noChangeAspect="1"/>
+          </p:cNvPicPr>
+          <p:nvPr/>
+        </p:nvPicPr>
+        <p:blipFill>
+          <a:blip r:embed="rId4">
+            <a:extLst>
+              <a:ext uri="{28A0092B-C50C-407E-A947-70E740481C1C}">
+                <a14:useLocalDpi xmlns:a14="http://schemas.microsoft.com/office/drawing/2010/main" val="0"/>
+              </a:ext>
+            </a:extLst>
+          </a:blip>
+          <a:stretch>
+            <a:fillRect/>
+          </a:stretch>
+        </p:blipFill>
+        <p:spPr>
+          <a:xfrm>
+            <a:off x="5956318" y="1703356"/>
+            <a:ext cx="1663663" cy="457507"/>
+          </a:xfrm>
+          <a:prstGeom prst="rect">
+            <a:avLst/>
+          </a:prstGeom>
+        </p:spPr>
+      </p:pic>
+      <p:pic>
+        <p:nvPicPr>
+          <p:cNvPr id="10" name="Imagem 9"/>
+          <p:cNvPicPr>
+            <a:picLocks noChangeAspect="1"/>
+          </p:cNvPicPr>
+          <p:nvPr/>
+        </p:nvPicPr>
+        <p:blipFill>
+          <a:blip r:embed="rId5">
+            <a:extLst>
+              <a:ext uri="{28A0092B-C50C-407E-A947-70E740481C1C}">
+                <a14:useLocalDpi xmlns:a14="http://schemas.microsoft.com/office/drawing/2010/main" val="0"/>
+              </a:ext>
+            </a:extLst>
+          </a:blip>
+          <a:stretch>
+            <a:fillRect/>
+          </a:stretch>
+        </p:blipFill>
+        <p:spPr>
+          <a:xfrm>
+            <a:off x="6021333" y="3379677"/>
+            <a:ext cx="561357" cy="572852"/>
+          </a:xfrm>
+          <a:prstGeom prst="rect">
+            <a:avLst/>
+          </a:prstGeom>
+        </p:spPr>
+      </p:pic>
+      <p:sp>
+        <p:nvSpPr>
+          <p:cNvPr id="12" name="Google Shape;1113;p37"/>
+          <p:cNvSpPr txBox="1">
+            <a:spLocks/>
+          </p:cNvSpPr>
+          <p:nvPr/>
+        </p:nvSpPr>
+        <p:spPr>
+          <a:xfrm>
+            <a:off x="1476234" y="1619405"/>
+            <a:ext cx="4181616" cy="2447769"/>
+          </a:xfrm>
+          <a:prstGeom prst="rect">
+            <a:avLst/>
+          </a:prstGeom>
+          <a:noFill/>
+          <a:ln>
+            <a:noFill/>
+          </a:ln>
+        </p:spPr>
+        <p:txBody>
+          <a:bodyPr spcFirstLastPara="1" wrap="square" lIns="91425" tIns="91425" rIns="91425" bIns="91425" anchor="t" anchorCtr="0">
+            <a:noAutofit/>
+          </a:bodyPr>
+          <a:lstStyle>
+            <a:defPPr marR="0" lvl="0" algn="l" rtl="0">
+              <a:lnSpc>
+                <a:spcPct val="100000"/>
+              </a:lnSpc>
+              <a:spcBef>
+                <a:spcPts val="0"/>
+              </a:spcBef>
+              <a:spcAft>
+                <a:spcPts val="0"/>
+              </a:spcAft>
+            </a:defPPr>
+            <a:lvl1pPr marL="457200" marR="0" lvl="0" indent="-342900" algn="l" rtl="0">
+              <a:lnSpc>
+                <a:spcPct val="115000"/>
+              </a:lnSpc>
+              <a:spcBef>
+                <a:spcPts val="0"/>
+              </a:spcBef>
+              <a:spcAft>
+                <a:spcPts val="0"/>
+              </a:spcAft>
+              <a:buClr>
+                <a:srgbClr val="FFFFFF"/>
+              </a:buClr>
+              <a:buSzPts val="1800"/>
+              <a:buFont typeface="Roboto Light"/>
+              <a:buChar char="●"/>
+              <a:defRPr sz="1800" b="0" i="0" u="none" strike="noStrike" cap="none">
+                <a:solidFill>
+                  <a:srgbClr val="FFFFFF"/>
+                </a:solidFill>
+                <a:latin typeface="Roboto Light"/>
+                <a:ea typeface="Roboto Light"/>
+                <a:cs typeface="Roboto Light"/>
+                <a:sym typeface="Roboto Light"/>
+              </a:defRPr>
+            </a:lvl1pPr>
+            <a:lvl2pPr marL="914400" marR="0" lvl="1" indent="-317500" algn="l" rtl="0">
+              <a:lnSpc>
+                <a:spcPct val="115000"/>
+              </a:lnSpc>
+              <a:spcBef>
+                <a:spcPts val="1600"/>
+              </a:spcBef>
+              <a:spcAft>
+                <a:spcPts val="0"/>
+              </a:spcAft>
+              <a:buClr>
+                <a:srgbClr val="FFFFFF"/>
+              </a:buClr>
+              <a:buSzPts val="1400"/>
+              <a:buFont typeface="Roboto Light"/>
+              <a:buChar char="○"/>
+              <a:defRPr sz="1400" b="0" i="0" u="none" strike="noStrike" cap="none">
+                <a:solidFill>
+                  <a:srgbClr val="FFFFFF"/>
+                </a:solidFill>
+                <a:latin typeface="Roboto Light"/>
+                <a:ea typeface="Roboto Light"/>
+                <a:cs typeface="Roboto Light"/>
+                <a:sym typeface="Roboto Light"/>
+              </a:defRPr>
+            </a:lvl2pPr>
+            <a:lvl3pPr marL="1371600" marR="0" lvl="2" indent="-317500" algn="l" rtl="0">
+              <a:lnSpc>
+                <a:spcPct val="115000"/>
+              </a:lnSpc>
+              <a:spcBef>
+                <a:spcPts val="1600"/>
+              </a:spcBef>
+              <a:spcAft>
+                <a:spcPts val="0"/>
+              </a:spcAft>
+              <a:buClr>
+                <a:srgbClr val="FFFFFF"/>
+              </a:buClr>
+              <a:buSzPts val="1400"/>
+              <a:buFont typeface="Roboto Light"/>
+              <a:buChar char="■"/>
+              <a:defRPr sz="1400" b="0" i="0" u="none" strike="noStrike" cap="none">
+                <a:solidFill>
+                  <a:srgbClr val="FFFFFF"/>
+                </a:solidFill>
+                <a:latin typeface="Roboto Light"/>
+                <a:ea typeface="Roboto Light"/>
+                <a:cs typeface="Roboto Light"/>
+                <a:sym typeface="Roboto Light"/>
+              </a:defRPr>
+            </a:lvl3pPr>
+            <a:lvl4pPr marL="1828800" marR="0" lvl="3" indent="-317500" algn="l" rtl="0">
+              <a:lnSpc>
+                <a:spcPct val="115000"/>
+              </a:lnSpc>
+              <a:spcBef>
+                <a:spcPts val="1600"/>
+              </a:spcBef>
+              <a:spcAft>
+                <a:spcPts val="0"/>
+              </a:spcAft>
+              <a:buClr>
+                <a:srgbClr val="FFFFFF"/>
+              </a:buClr>
+              <a:buSzPts val="1400"/>
+              <a:buFont typeface="Roboto Light"/>
+              <a:buChar char="●"/>
+              <a:defRPr sz="1400" b="0" i="0" u="none" strike="noStrike" cap="none">
+                <a:solidFill>
+                  <a:srgbClr val="FFFFFF"/>
+                </a:solidFill>
+                <a:latin typeface="Roboto Light"/>
+                <a:ea typeface="Roboto Light"/>
+                <a:cs typeface="Roboto Light"/>
+                <a:sym typeface="Roboto Light"/>
+              </a:defRPr>
+            </a:lvl4pPr>
+            <a:lvl5pPr marL="2286000" marR="0" lvl="4" indent="-317500" algn="l" rtl="0">
+              <a:lnSpc>
+                <a:spcPct val="115000"/>
+              </a:lnSpc>
+              <a:spcBef>
+                <a:spcPts val="1600"/>
+              </a:spcBef>
+              <a:spcAft>
+                <a:spcPts val="0"/>
+              </a:spcAft>
+              <a:buClr>
+                <a:srgbClr val="FFFFFF"/>
+              </a:buClr>
+              <a:buSzPts val="1400"/>
+              <a:buFont typeface="Roboto Light"/>
+              <a:buChar char="○"/>
+              <a:defRPr sz="1400" b="0" i="0" u="none" strike="noStrike" cap="none">
+                <a:solidFill>
+                  <a:srgbClr val="FFFFFF"/>
+                </a:solidFill>
+                <a:latin typeface="Roboto Light"/>
+                <a:ea typeface="Roboto Light"/>
+                <a:cs typeface="Roboto Light"/>
+                <a:sym typeface="Roboto Light"/>
+              </a:defRPr>
+            </a:lvl5pPr>
+            <a:lvl6pPr marL="2743200" marR="0" lvl="5" indent="-317500" algn="l" rtl="0">
+              <a:lnSpc>
+                <a:spcPct val="115000"/>
+              </a:lnSpc>
+              <a:spcBef>
+                <a:spcPts val="1600"/>
+              </a:spcBef>
+              <a:spcAft>
+                <a:spcPts val="0"/>
+              </a:spcAft>
+              <a:buClr>
+                <a:srgbClr val="FFFFFF"/>
+              </a:buClr>
+              <a:buSzPts val="1400"/>
+              <a:buFont typeface="Roboto Light"/>
+              <a:buChar char="■"/>
+              <a:defRPr sz="1400" b="0" i="0" u="none" strike="noStrike" cap="none">
+                <a:solidFill>
+                  <a:srgbClr val="FFFFFF"/>
+                </a:solidFill>
+                <a:latin typeface="Roboto Light"/>
+                <a:ea typeface="Roboto Light"/>
+                <a:cs typeface="Roboto Light"/>
+                <a:sym typeface="Roboto Light"/>
+              </a:defRPr>
+            </a:lvl6pPr>
+            <a:lvl7pPr marL="3200400" marR="0" lvl="6" indent="-317500" algn="l" rtl="0">
+              <a:lnSpc>
+                <a:spcPct val="115000"/>
+              </a:lnSpc>
+              <a:spcBef>
+                <a:spcPts val="1600"/>
+              </a:spcBef>
+              <a:spcAft>
+                <a:spcPts val="0"/>
+              </a:spcAft>
+              <a:buClr>
+                <a:srgbClr val="FFFFFF"/>
+              </a:buClr>
+              <a:buSzPts val="1400"/>
+              <a:buFont typeface="Roboto Light"/>
+              <a:buChar char="●"/>
+              <a:defRPr sz="1400" b="0" i="0" u="none" strike="noStrike" cap="none">
+                <a:solidFill>
+                  <a:srgbClr val="FFFFFF"/>
+                </a:solidFill>
+                <a:latin typeface="Roboto Light"/>
+                <a:ea typeface="Roboto Light"/>
+                <a:cs typeface="Roboto Light"/>
+                <a:sym typeface="Roboto Light"/>
+              </a:defRPr>
+            </a:lvl7pPr>
+            <a:lvl8pPr marL="3657600" marR="0" lvl="7" indent="-317500" algn="l" rtl="0">
+              <a:lnSpc>
+                <a:spcPct val="115000"/>
+              </a:lnSpc>
+              <a:spcBef>
+                <a:spcPts val="1600"/>
+              </a:spcBef>
+              <a:spcAft>
+                <a:spcPts val="0"/>
+              </a:spcAft>
+              <a:buClr>
+                <a:srgbClr val="FFFFFF"/>
+              </a:buClr>
+              <a:buSzPts val="1400"/>
+              <a:buFont typeface="Roboto Light"/>
+              <a:buChar char="○"/>
+              <a:defRPr sz="1400" b="0" i="0" u="none" strike="noStrike" cap="none">
+                <a:solidFill>
+                  <a:srgbClr val="FFFFFF"/>
+                </a:solidFill>
+                <a:latin typeface="Roboto Light"/>
+                <a:ea typeface="Roboto Light"/>
+                <a:cs typeface="Roboto Light"/>
+                <a:sym typeface="Roboto Light"/>
+              </a:defRPr>
+            </a:lvl8pPr>
+            <a:lvl9pPr marL="4114800" marR="0" lvl="8" indent="-317500" algn="l" rtl="0">
+              <a:lnSpc>
+                <a:spcPct val="115000"/>
+              </a:lnSpc>
+              <a:spcBef>
+                <a:spcPts val="1600"/>
+              </a:spcBef>
+              <a:spcAft>
+                <a:spcPts val="1600"/>
+              </a:spcAft>
+              <a:buClr>
+                <a:srgbClr val="FFFFFF"/>
+              </a:buClr>
+              <a:buSzPts val="1400"/>
+              <a:buFont typeface="Roboto Light"/>
+              <a:buChar char="■"/>
+              <a:defRPr sz="1400" b="0" i="0" u="none" strike="noStrike" cap="none">
+                <a:solidFill>
+                  <a:srgbClr val="FFFFFF"/>
+                </a:solidFill>
+                <a:latin typeface="Roboto Light"/>
+                <a:ea typeface="Roboto Light"/>
+                <a:cs typeface="Roboto Light"/>
+                <a:sym typeface="Roboto Light"/>
+              </a:defRPr>
+            </a:lvl9pPr>
+          </a:lstStyle>
+          <a:p>
+            <a:pPr marL="0" indent="0" algn="just">
+              <a:buNone/>
+            </a:pPr>
+            <a:r>
+              <a:rPr lang="pt-BR" sz="1200" b="1" dirty="0" err="1" smtClean="0"/>
+              <a:t>Discord</a:t>
+            </a:r>
+            <a:r>
+              <a:rPr lang="pt-BR" sz="1200" b="1" dirty="0" smtClean="0"/>
+              <a:t>: </a:t>
+            </a:r>
+            <a:r>
+              <a:rPr lang="pt-BR" sz="1200" dirty="0" smtClean="0"/>
+              <a:t>Realizamos as Daily e reuniões urgente, além de atividades em dupla na hora de desenvolver os códigos.</a:t>
+            </a:r>
+          </a:p>
+          <a:p>
+            <a:pPr marL="0" indent="0" algn="just">
+              <a:buNone/>
+            </a:pPr>
+            <a:endParaRPr lang="pt-BR" sz="1200" dirty="0" smtClean="0"/>
+          </a:p>
+          <a:p>
+            <a:pPr marL="0" indent="0" algn="just">
+              <a:buNone/>
+            </a:pPr>
+            <a:endParaRPr lang="pt-BR" sz="1200" dirty="0" smtClean="0"/>
+          </a:p>
+          <a:p>
+            <a:pPr marL="0" indent="0" algn="just">
+              <a:buNone/>
+            </a:pPr>
+            <a:r>
+              <a:rPr lang="pt-BR" sz="1200" b="1" dirty="0" smtClean="0"/>
+              <a:t>Zoom:  </a:t>
+            </a:r>
+            <a:r>
+              <a:rPr lang="pt-BR" sz="1200" dirty="0">
+                <a:solidFill>
+                  <a:schemeClr val="bg1"/>
+                </a:solidFill>
+              </a:rPr>
+              <a:t>A</a:t>
+            </a:r>
+            <a:r>
+              <a:rPr lang="pt-BR" sz="1200" dirty="0" smtClean="0">
+                <a:solidFill>
+                  <a:schemeClr val="bg1"/>
+                </a:solidFill>
+              </a:rPr>
+              <a:t>contecia</a:t>
+            </a:r>
+            <a:r>
+              <a:rPr lang="pt-BR" sz="1200" dirty="0" smtClean="0"/>
+              <a:t> as reuniões de trabalho, onde ocorria as principais decisões do projeto.</a:t>
+            </a:r>
+          </a:p>
+          <a:p>
+            <a:pPr marL="0" indent="0" algn="just">
+              <a:buNone/>
+            </a:pPr>
+            <a:endParaRPr lang="pt-BR" sz="1200" dirty="0" smtClean="0"/>
+          </a:p>
+          <a:p>
+            <a:pPr marL="0" indent="0" algn="just">
+              <a:buNone/>
+            </a:pPr>
+            <a:endParaRPr lang="pt-BR" sz="1200" dirty="0" smtClean="0"/>
+          </a:p>
+          <a:p>
+            <a:pPr marL="0" indent="0" algn="just">
+              <a:buNone/>
+            </a:pPr>
+            <a:r>
+              <a:rPr lang="pt-BR" sz="1200" b="1" dirty="0" err="1" smtClean="0"/>
+              <a:t>Whatsapp</a:t>
+            </a:r>
+            <a:r>
+              <a:rPr lang="pt-BR" sz="1200" b="1" dirty="0" smtClean="0"/>
+              <a:t>: </a:t>
+            </a:r>
+            <a:r>
+              <a:rPr lang="pt-BR" sz="1200" dirty="0" smtClean="0"/>
+              <a:t>Ocorria as comunicações diárias referente as atividades do projeto.</a:t>
+            </a:r>
+          </a:p>
+        </p:txBody>
+      </p:sp>
+    </p:spTree>
+    <p:extLst>
+      <p:ext uri="{BB962C8B-B14F-4D97-AF65-F5344CB8AC3E}">
+        <p14:creationId xmlns:p14="http://schemas.microsoft.com/office/powerpoint/2010/main" val="2568922639"/>
       </p:ext>
     </p:extLst>
   </p:cSld>
